--- a/Check-in 2025 - New.pptx
+++ b/Check-in 2025 - New.pptx
@@ -8291,14 +8291,14 @@
           <p:nvPr>
             <p:extLst>
               <p:ext uri="{D42A27DB-BD31-4B8C-83A1-F6EECF244321}">
-                <p14:modId xmlns:p14="http://schemas.microsoft.com/office/powerpoint/2010/main" val="714378203"/>
+                <p14:modId xmlns:p14="http://schemas.microsoft.com/office/powerpoint/2010/main" val="360874259"/>
               </p:ext>
             </p:extLst>
           </p:nvPr>
         </p:nvGraphicFramePr>
         <p:xfrm>
           <a:off x="558071" y="1374938"/>
-          <a:ext cx="11075857" cy="4040251"/>
+          <a:ext cx="11075857" cy="4700297"/>
         </p:xfrm>
         <a:graphic>
           <a:graphicData uri="http://schemas.openxmlformats.org/drawingml/2006/table">
@@ -8595,7 +8595,7 @@
                     <a:lstStyle/>
                     <a:p>
                       <a:r>
-                        <a:rPr lang="en-US" sz="1200" b="1" baseline="0">
+                        <a:rPr lang="en-US" sz="1200" b="1" baseline="0" dirty="0">
                           <a:solidFill>
                             <a:schemeClr val="tx1"/>
                           </a:solidFill>
@@ -8653,18 +8653,11 @@
                     <a:lstStyle/>
                     <a:p>
                       <a:r>
-                        <a:rPr lang="en-US" sz="1200">
-                          <a:latin typeface="Open Sans" panose="020B0606030504020204" pitchFamily="34" charset="0"/>
-                          <a:ea typeface="Open Sans" panose="020B0606030504020204" pitchFamily="34" charset="0"/>
-                          <a:cs typeface="Open Sans" panose="020B0606030504020204" pitchFamily="34" charset="0"/>
+                        <a:rPr lang="en-US" sz="1200" dirty="0">
+                          <a:effectLst/>
                         </a:rPr>
-                        <a:t>To help </a:t>
+                        <a:t>Yes – to help the DB2 team by reviewing, fixing, and stabilizing the THRDTERM REXX that cancels inactive DB2 threads.</a:t>
                       </a:r>
-                      <a:endParaRPr lang="en-US" sz="1200" dirty="0">
-                        <a:latin typeface="Open Sans" panose="020B0606030504020204" pitchFamily="34" charset="0"/>
-                        <a:ea typeface="Open Sans" panose="020B0606030504020204" pitchFamily="34" charset="0"/>
-                        <a:cs typeface="Open Sans" panose="020B0606030504020204" pitchFamily="34" charset="0"/>
-                      </a:endParaRPr>
                     </a:p>
                   </a:txBody>
                   <a:tcPr marL="88751" marR="88751" marT="44375" marB="44375" anchor="ctr">
@@ -8850,11 +8843,54 @@
                     <a:bodyPr/>
                     <a:lstStyle/>
                     <a:p>
-                      <a:endParaRPr lang="en-US" sz="1200">
-                        <a:latin typeface="Open Sans" panose="020B0606030504020204" pitchFamily="34" charset="0"/>
-                        <a:ea typeface="Open Sans" panose="020B0606030504020204" pitchFamily="34" charset="0"/>
-                        <a:cs typeface="Open Sans" panose="020B0606030504020204" pitchFamily="34" charset="0"/>
-                      </a:endParaRPr>
+                      <a:pPr marL="228600" marR="0" lvl="0" indent="-228600" algn="l" defTabSz="914400" rtl="0" eaLnBrk="1" fontAlgn="auto" latinLnBrk="0" hangingPunct="1">
+                        <a:lnSpc>
+                          <a:spcPct val="100000"/>
+                        </a:lnSpc>
+                        <a:spcBef>
+                          <a:spcPts val="0"/>
+                        </a:spcBef>
+                        <a:spcAft>
+                          <a:spcPts val="0"/>
+                        </a:spcAft>
+                        <a:buClrTx/>
+                        <a:buSzTx/>
+                        <a:buFontTx/>
+                        <a:buAutoNum type="arabicPeriod"/>
+                        <a:tabLst/>
+                        <a:defRPr/>
+                      </a:pPr>
+                      <a:r>
+                        <a:rPr lang="en-US" sz="1200" dirty="0">
+                          <a:effectLst/>
+                        </a:rPr>
+                        <a:t>Completed root-cause analysis of the THRDTERM failures (invalid SSID/LWID parsing at line 179). </a:t>
+                      </a:r>
+                    </a:p>
+                    <a:p>
+                      <a:pPr marL="228600" marR="0" lvl="0" indent="-228600" algn="l" defTabSz="914400" rtl="0" eaLnBrk="1" fontAlgn="auto" latinLnBrk="0" hangingPunct="1">
+                        <a:lnSpc>
+                          <a:spcPct val="100000"/>
+                        </a:lnSpc>
+                        <a:spcBef>
+                          <a:spcPts val="0"/>
+                        </a:spcBef>
+                        <a:spcAft>
+                          <a:spcPts val="0"/>
+                        </a:spcAft>
+                        <a:buClrTx/>
+                        <a:buSzTx/>
+                        <a:buFontTx/>
+                        <a:buAutoNum type="arabicPeriod"/>
+                        <a:tabLst/>
+                        <a:defRPr/>
+                      </a:pPr>
+                      <a:r>
+                        <a:rPr lang="en-US" sz="1200" dirty="0">
+                          <a:effectLst/>
+                        </a:rPr>
+                        <a:t>2. Implemented and tested robust fixes: SSID validation, safe LWID parsing, better error handling and logging – no more abends in test runs.</a:t>
+                      </a:r>
                     </a:p>
                   </a:txBody>
                   <a:tcPr marL="88751" marR="88751" marT="44375" marB="44375" anchor="ctr">
@@ -9004,11 +9040,29 @@
                     <a:bodyPr/>
                     <a:lstStyle/>
                     <a:p>
-                      <a:endParaRPr lang="en-US" sz="1200">
-                        <a:latin typeface="Open Sans" panose="020B0606030504020204" pitchFamily="34" charset="0"/>
-                        <a:ea typeface="Open Sans" panose="020B0606030504020204" pitchFamily="34" charset="0"/>
-                        <a:cs typeface="Open Sans" panose="020B0606030504020204" pitchFamily="34" charset="0"/>
-                      </a:endParaRPr>
+                      <a:pPr marL="0" marR="0" lvl="0" indent="0" algn="l" defTabSz="914400" rtl="0" eaLnBrk="1" fontAlgn="auto" latinLnBrk="0" hangingPunct="1">
+                        <a:lnSpc>
+                          <a:spcPct val="100000"/>
+                        </a:lnSpc>
+                        <a:spcBef>
+                          <a:spcPts val="0"/>
+                        </a:spcBef>
+                        <a:spcAft>
+                          <a:spcPts val="0"/>
+                        </a:spcAft>
+                        <a:buClrTx/>
+                        <a:buSzTx/>
+                        <a:buFontTx/>
+                        <a:buNone/>
+                        <a:tabLst/>
+                        <a:defRPr/>
+                      </a:pPr>
+                      <a:r>
+                        <a:rPr lang="en-US" sz="1200" dirty="0">
+                          <a:effectLst/>
+                        </a:rPr>
+                        <a:t>All good at the moment – have required access and test JCL. Team is supportive.</a:t>
+                      </a:r>
                     </a:p>
                   </a:txBody>
                   <a:tcPr marL="88751" marR="88751" marT="44375" marB="44375" anchor="ctr">
@@ -9154,11 +9208,29 @@
                     <a:bodyPr/>
                     <a:lstStyle/>
                     <a:p>
-                      <a:endParaRPr lang="en-US" sz="1200">
-                        <a:latin typeface="Open Sans" panose="020B0606030504020204" pitchFamily="34" charset="0"/>
-                        <a:ea typeface="Open Sans" panose="020B0606030504020204" pitchFamily="34" charset="0"/>
-                        <a:cs typeface="Open Sans" panose="020B0606030504020204" pitchFamily="34" charset="0"/>
-                      </a:endParaRPr>
+                      <a:pPr marL="0" marR="0" lvl="0" indent="0" algn="l" defTabSz="914400" rtl="0" eaLnBrk="1" fontAlgn="auto" latinLnBrk="0" hangingPunct="1">
+                        <a:lnSpc>
+                          <a:spcPct val="100000"/>
+                        </a:lnSpc>
+                        <a:spcBef>
+                          <a:spcPts val="0"/>
+                        </a:spcBef>
+                        <a:spcAft>
+                          <a:spcPts val="0"/>
+                        </a:spcAft>
+                        <a:buClrTx/>
+                        <a:buSzTx/>
+                        <a:buFontTx/>
+                        <a:buNone/>
+                        <a:tabLst/>
+                        <a:defRPr/>
+                      </a:pPr>
+                      <a:r>
+                        <a:rPr lang="en-US" sz="1200" dirty="0">
+                          <a:effectLst/>
+                        </a:rPr>
+                        <a:t>On Track – fixes tested successfully; Rolled out to production no issue reported.</a:t>
+                      </a:r>
                     </a:p>
                   </a:txBody>
                   <a:tcPr marL="88751" marR="88751" marT="44375" marB="44375" anchor="ctr">
@@ -9326,11 +9398,29 @@
                     <a:bodyPr/>
                     <a:lstStyle/>
                     <a:p>
-                      <a:endParaRPr lang="en-US" sz="1200">
-                        <a:latin typeface="Open Sans" panose="020B0606030504020204" pitchFamily="34" charset="0"/>
-                        <a:ea typeface="Open Sans" panose="020B0606030504020204" pitchFamily="34" charset="0"/>
-                        <a:cs typeface="Open Sans" panose="020B0606030504020204" pitchFamily="34" charset="0"/>
-                      </a:endParaRPr>
+                      <a:pPr marL="0" marR="0" lvl="0" indent="0" algn="l" defTabSz="914400" rtl="0" eaLnBrk="1" fontAlgn="auto" latinLnBrk="0" hangingPunct="1">
+                        <a:lnSpc>
+                          <a:spcPct val="100000"/>
+                        </a:lnSpc>
+                        <a:spcBef>
+                          <a:spcPts val="0"/>
+                        </a:spcBef>
+                        <a:spcAft>
+                          <a:spcPts val="0"/>
+                        </a:spcAft>
+                        <a:buClrTx/>
+                        <a:buSzTx/>
+                        <a:buFontTx/>
+                        <a:buNone/>
+                        <a:tabLst/>
+                        <a:defRPr/>
+                      </a:pPr>
+                      <a:r>
+                        <a:rPr lang="en-US" sz="1200" dirty="0">
+                          <a:effectLst/>
+                        </a:rPr>
+                        <a:t>Yes – consistently applied Safety First (extensive testing), Integrity (transparent logging), Ownership (end-to-end fix), and One Team (close collaboration with DB2 and automation teams).</a:t>
+                      </a:r>
                     </a:p>
                   </a:txBody>
                   <a:tcPr marL="88751" marR="88751" marT="44375" marB="44375" anchor="ctr">
@@ -9682,31 +9772,76 @@
                     <a:bodyPr/>
                     <a:lstStyle/>
                     <a:p>
-                      <a:pPr marL="0" marR="0" indent="0" algn="l" defTabSz="914400" rtl="0" eaLnBrk="1" fontAlgn="auto" latinLnBrk="0" hangingPunct="1">
-                        <a:lnSpc>
-                          <a:spcPct val="100000"/>
-                        </a:lnSpc>
-                        <a:spcBef>
-                          <a:spcPts val="0"/>
-                        </a:spcBef>
-                        <a:spcAft>
-                          <a:spcPts val="0"/>
-                        </a:spcAft>
-                        <a:buClrTx/>
-                        <a:buSzTx/>
-                        <a:buFontTx/>
-                        <a:buNone/>
-                        <a:tabLst/>
-                        <a:defRPr/>
+                      <a:pPr marL="285750" indent="-285750">
+                        <a:buFont typeface="Arial" panose="020B0604020202020204" pitchFamily="34" charset="0"/>
+                        <a:buChar char="•"/>
                       </a:pPr>
-                      <a:endParaRPr lang="en-US" sz="1200" b="1" kern="1200" dirty="0">
-                        <a:solidFill>
-                          <a:srgbClr val="575757"/>
-                        </a:solidFill>
-                        <a:latin typeface="Arial" panose="020B0604020202020204" pitchFamily="34" charset="0"/>
-                        <a:ea typeface="+mn-ea"/>
-                        <a:cs typeface="Arial" panose="020B0604020202020204" pitchFamily="34" charset="0"/>
-                      </a:endParaRPr>
+                      <a:r>
+                        <a:rPr lang="en-US" sz="1800" b="0" i="0" kern="1200" dirty="0">
+                          <a:solidFill>
+                            <a:schemeClr val="dk1"/>
+                          </a:solidFill>
+                          <a:effectLst/>
+                          <a:latin typeface="+mn-lt"/>
+                          <a:ea typeface="+mn-ea"/>
+                          <a:cs typeface="+mn-cs"/>
+                        </a:rPr>
+                        <a:t>Fixed THRDTERM REXX abend at line 179 (caused by invalid SSID/LWID input)</a:t>
+                      </a:r>
+                    </a:p>
+                    <a:p>
+                      <a:pPr marL="285750" indent="-285750">
+                        <a:buFont typeface="Arial" panose="020B0604020202020204" pitchFamily="34" charset="0"/>
+                        <a:buChar char="•"/>
+                      </a:pPr>
+                      <a:r>
+                        <a:rPr lang="en-US" sz="1800" b="0" i="0" kern="1200" dirty="0">
+                          <a:solidFill>
+                            <a:schemeClr val="dk1"/>
+                          </a:solidFill>
+                          <a:effectLst/>
+                          <a:latin typeface="+mn-lt"/>
+                          <a:ea typeface="+mn-ea"/>
+                          <a:cs typeface="+mn-cs"/>
+                        </a:rPr>
+                        <a:t>Added SSID validation, safe parsing, enhanced logging, and graceful error handling</a:t>
+                      </a:r>
+                    </a:p>
+                    <a:p>
+                      <a:pPr marL="285750" indent="-285750">
+                        <a:buFont typeface="Arial" panose="020B0604020202020204" pitchFamily="34" charset="0"/>
+                        <a:buChar char="•"/>
+                      </a:pPr>
+                      <a:r>
+                        <a:rPr lang="en-US" sz="1800" b="0" i="0" kern="1200" dirty="0">
+                          <a:solidFill>
+                            <a:schemeClr val="dk1"/>
+                          </a:solidFill>
+                          <a:effectLst/>
+                          <a:latin typeface="+mn-lt"/>
+                          <a:ea typeface="+mn-ea"/>
+                          <a:cs typeface="+mn-cs"/>
+                        </a:rPr>
+                        <a:t>Fully tested with test JCL – no abends.</a:t>
+                      </a:r>
+                    </a:p>
+                    <a:p>
+                      <a:pPr marL="285750" indent="-285750">
+                        <a:buFont typeface="Arial" panose="020B0604020202020204" pitchFamily="34" charset="0"/>
+                        <a:buChar char="•"/>
+                      </a:pPr>
+                      <a:r>
+                        <a:rPr lang="en-US" sz="1800" b="0" i="0" kern="1200" dirty="0">
+                          <a:solidFill>
+                            <a:schemeClr val="dk1"/>
+                          </a:solidFill>
+                          <a:effectLst/>
+                          <a:latin typeface="+mn-lt"/>
+                          <a:ea typeface="+mn-ea"/>
+                          <a:cs typeface="+mn-cs"/>
+                        </a:rPr>
+                        <a:t>Will eliminate manual thread cancels and improve DB2 stability once live</a:t>
+                      </a:r>
                     </a:p>
                   </a:txBody>
                   <a:tcPr marL="88751" marR="88751" marT="44375" marB="44375">
@@ -10236,11 +10371,17 @@
           <p:cNvGraphicFramePr>
             <a:graphicFrameLocks noGrp="1"/>
           </p:cNvGraphicFramePr>
-          <p:nvPr/>
+          <p:nvPr>
+            <p:extLst>
+              <p:ext uri="{D42A27DB-BD31-4B8C-83A1-F6EECF244321}">
+                <p14:modId xmlns:p14="http://schemas.microsoft.com/office/powerpoint/2010/main" val="654146192"/>
+              </p:ext>
+            </p:extLst>
+          </p:nvPr>
         </p:nvGraphicFramePr>
         <p:xfrm>
           <a:off x="558071" y="1374938"/>
-          <a:ext cx="11075857" cy="4040251"/>
+          <a:ext cx="11075857" cy="4235598"/>
         </p:xfrm>
         <a:graphic>
           <a:graphicData uri="http://schemas.openxmlformats.org/drawingml/2006/table">
@@ -10594,11 +10735,29 @@
                     <a:bodyPr/>
                     <a:lstStyle/>
                     <a:p>
-                      <a:endParaRPr lang="en-US" sz="1200" dirty="0">
-                        <a:latin typeface="Open Sans" panose="020B0606030504020204" pitchFamily="34" charset="0"/>
-                        <a:ea typeface="Open Sans" panose="020B0606030504020204" pitchFamily="34" charset="0"/>
-                        <a:cs typeface="Open Sans" panose="020B0606030504020204" pitchFamily="34" charset="0"/>
-                      </a:endParaRPr>
+                      <a:pPr marL="0" marR="0" lvl="0" indent="0" algn="l" defTabSz="914400" rtl="0" eaLnBrk="1" fontAlgn="auto" latinLnBrk="0" hangingPunct="1">
+                        <a:lnSpc>
+                          <a:spcPct val="100000"/>
+                        </a:lnSpc>
+                        <a:spcBef>
+                          <a:spcPts val="0"/>
+                        </a:spcBef>
+                        <a:spcAft>
+                          <a:spcPts val="0"/>
+                        </a:spcAft>
+                        <a:buClrTx/>
+                        <a:buSzTx/>
+                        <a:buFontTx/>
+                        <a:buNone/>
+                        <a:tabLst/>
+                        <a:defRPr/>
+                      </a:pPr>
+                      <a:r>
+                        <a:rPr lang="en-US" sz="1200" dirty="0">
+                          <a:effectLst/>
+                        </a:rPr>
+                        <a:t>Yes – to install and bring IBM Z Performance and Capacity Analytics (IZPCA) into our environment as a new tool for advanced SMF/RMF analytics and capacity reporting.</a:t>
+                      </a:r>
                     </a:p>
                   </a:txBody>
                   <a:tcPr marL="88751" marR="88751" marT="44375" marB="44375" anchor="ctr">
@@ -10784,11 +10943,54 @@
                     <a:bodyPr/>
                     <a:lstStyle/>
                     <a:p>
-                      <a:endParaRPr lang="en-US" sz="1200">
-                        <a:latin typeface="Open Sans" panose="020B0606030504020204" pitchFamily="34" charset="0"/>
-                        <a:ea typeface="Open Sans" panose="020B0606030504020204" pitchFamily="34" charset="0"/>
-                        <a:cs typeface="Open Sans" panose="020B0606030504020204" pitchFamily="34" charset="0"/>
-                      </a:endParaRPr>
+                      <a:pPr marL="228600" marR="0" lvl="0" indent="-228600" algn="l" defTabSz="914400" rtl="0" eaLnBrk="1" fontAlgn="auto" latinLnBrk="0" hangingPunct="1">
+                        <a:lnSpc>
+                          <a:spcPct val="100000"/>
+                        </a:lnSpc>
+                        <a:spcBef>
+                          <a:spcPts val="0"/>
+                        </a:spcBef>
+                        <a:spcAft>
+                          <a:spcPts val="0"/>
+                        </a:spcAft>
+                        <a:buClrTx/>
+                        <a:buSzTx/>
+                        <a:buFontTx/>
+                        <a:buAutoNum type="arabicPeriod"/>
+                        <a:tabLst/>
+                        <a:defRPr/>
+                      </a:pPr>
+                      <a:r>
+                        <a:rPr lang="en-US" sz="1200" dirty="0">
+                          <a:effectLst/>
+                        </a:rPr>
+                        <a:t>Successfully installed IZPCA using z/OSMF (SMP/E apply, configuration, Db2 bindings). </a:t>
+                      </a:r>
+                    </a:p>
+                    <a:p>
+                      <a:pPr marL="228600" marR="0" lvl="0" indent="-228600" algn="l" defTabSz="914400" rtl="0" eaLnBrk="1" fontAlgn="auto" latinLnBrk="0" hangingPunct="1">
+                        <a:lnSpc>
+                          <a:spcPct val="100000"/>
+                        </a:lnSpc>
+                        <a:spcBef>
+                          <a:spcPts val="0"/>
+                        </a:spcBef>
+                        <a:spcAft>
+                          <a:spcPts val="0"/>
+                        </a:spcAft>
+                        <a:buClrTx/>
+                        <a:buSzTx/>
+                        <a:buFontTx/>
+                        <a:buAutoNum type="arabicPeriod"/>
+                        <a:tabLst/>
+                        <a:defRPr/>
+                      </a:pPr>
+                      <a:r>
+                        <a:rPr lang="en-US" sz="1200" dirty="0">
+                          <a:effectLst/>
+                        </a:rPr>
+                        <a:t>Completed post-install verification – collector started, first data loaded into analytics database, dashboards accessible.</a:t>
+                      </a:r>
                     </a:p>
                   </a:txBody>
                   <a:tcPr marL="88751" marR="88751" marT="44375" marB="44375" anchor="ctr">
@@ -10938,11 +11140,29 @@
                     <a:bodyPr/>
                     <a:lstStyle/>
                     <a:p>
-                      <a:endParaRPr lang="en-US" sz="1200">
-                        <a:latin typeface="Open Sans" panose="020B0606030504020204" pitchFamily="34" charset="0"/>
-                        <a:ea typeface="Open Sans" panose="020B0606030504020204" pitchFamily="34" charset="0"/>
-                        <a:cs typeface="Open Sans" panose="020B0606030504020204" pitchFamily="34" charset="0"/>
-                      </a:endParaRPr>
+                      <a:pPr marL="0" marR="0" lvl="0" indent="0" algn="l" defTabSz="914400" rtl="0" eaLnBrk="1" fontAlgn="auto" latinLnBrk="0" hangingPunct="1">
+                        <a:lnSpc>
+                          <a:spcPct val="100000"/>
+                        </a:lnSpc>
+                        <a:spcBef>
+                          <a:spcPts val="0"/>
+                        </a:spcBef>
+                        <a:spcAft>
+                          <a:spcPts val="0"/>
+                        </a:spcAft>
+                        <a:buClrTx/>
+                        <a:buSzTx/>
+                        <a:buFontTx/>
+                        <a:buNone/>
+                        <a:tabLst/>
+                        <a:defRPr/>
+                      </a:pPr>
+                      <a:r>
+                        <a:rPr lang="en-US" sz="1200" dirty="0">
+                          <a:effectLst/>
+                        </a:rPr>
+                        <a:t>All good at the moment – access and guidance provided. No further support needed.</a:t>
+                      </a:r>
                     </a:p>
                   </a:txBody>
                   <a:tcPr marL="88751" marR="88751" marT="44375" marB="44375" anchor="ctr">
@@ -11088,11 +11308,37 @@
                     <a:bodyPr/>
                     <a:lstStyle/>
                     <a:p>
-                      <a:endParaRPr lang="en-US" sz="1200">
-                        <a:latin typeface="Open Sans" panose="020B0606030504020204" pitchFamily="34" charset="0"/>
-                        <a:ea typeface="Open Sans" panose="020B0606030504020204" pitchFamily="34" charset="0"/>
-                        <a:cs typeface="Open Sans" panose="020B0606030504020204" pitchFamily="34" charset="0"/>
-                      </a:endParaRPr>
+                      <a:pPr marL="0" marR="0" lvl="0" indent="0" algn="l" defTabSz="914400" rtl="0" eaLnBrk="1" fontAlgn="auto" latinLnBrk="0" hangingPunct="1">
+                        <a:lnSpc>
+                          <a:spcPct val="100000"/>
+                        </a:lnSpc>
+                        <a:spcBef>
+                          <a:spcPts val="0"/>
+                        </a:spcBef>
+                        <a:spcAft>
+                          <a:spcPts val="0"/>
+                        </a:spcAft>
+                        <a:buClrTx/>
+                        <a:buSzTx/>
+                        <a:buFontTx/>
+                        <a:buNone/>
+                        <a:tabLst/>
+                        <a:defRPr/>
+                      </a:pPr>
+                      <a:r>
+                        <a:rPr lang="en-US" sz="1200" dirty="0">
+                          <a:latin typeface="Open Sans" panose="020B0606030504020204" pitchFamily="34" charset="0"/>
+                          <a:ea typeface="Open Sans" panose="020B0606030504020204" pitchFamily="34" charset="0"/>
+                          <a:cs typeface="Open Sans" panose="020B0606030504020204" pitchFamily="34" charset="0"/>
+                        </a:rPr>
+                        <a:t>On Track - </a:t>
+                      </a:r>
+                      <a:r>
+                        <a:rPr lang="en-US" sz="1200" dirty="0">
+                          <a:effectLst/>
+                        </a:rPr>
+                        <a:t>Completed – IZPCA is installed, On Sandbox its accessible, Now working on configuring on Test LPAR.</a:t>
+                      </a:r>
                     </a:p>
                   </a:txBody>
                   <a:tcPr marL="88751" marR="88751" marT="44375" marB="44375" anchor="ctr">
@@ -11260,11 +11506,29 @@
                     <a:bodyPr/>
                     <a:lstStyle/>
                     <a:p>
-                      <a:endParaRPr lang="en-US" sz="1200">
-                        <a:latin typeface="Open Sans" panose="020B0606030504020204" pitchFamily="34" charset="0"/>
-                        <a:ea typeface="Open Sans" panose="020B0606030504020204" pitchFamily="34" charset="0"/>
-                        <a:cs typeface="Open Sans" panose="020B0606030504020204" pitchFamily="34" charset="0"/>
-                      </a:endParaRPr>
+                      <a:pPr marL="0" marR="0" lvl="0" indent="0" algn="l" defTabSz="914400" rtl="0" eaLnBrk="1" fontAlgn="auto" latinLnBrk="0" hangingPunct="1">
+                        <a:lnSpc>
+                          <a:spcPct val="100000"/>
+                        </a:lnSpc>
+                        <a:spcBef>
+                          <a:spcPts val="0"/>
+                        </a:spcBef>
+                        <a:spcAft>
+                          <a:spcPts val="0"/>
+                        </a:spcAft>
+                        <a:buClrTx/>
+                        <a:buSzTx/>
+                        <a:buFontTx/>
+                        <a:buNone/>
+                        <a:tabLst/>
+                        <a:defRPr/>
+                      </a:pPr>
+                      <a:r>
+                        <a:rPr lang="en-US" sz="1200" dirty="0">
+                          <a:effectLst/>
+                        </a:rPr>
+                        <a:t>Yes – Safety First (test LPAR first), Ownership (end-to-end delivery), Integrity (full documentation), One Team (coordinated with DB2 and RACF).</a:t>
+                      </a:r>
                     </a:p>
                   </a:txBody>
                   <a:tcPr marL="88751" marR="88751" marT="44375" marB="44375" anchor="ctr">
@@ -11633,6 +11897,10 @@
                         <a:tabLst/>
                         <a:defRPr/>
                       </a:pPr>
+                      <a:r>
+                        <a:rPr lang="en-US" sz="1200" dirty="0"/>
+                        <a:t>First-time IZPCA installation in our environment – completed via z/OSMF. Collector active, initial SMF data ingested started on sandbox. Now working on QMF and GDDM configuration on Test Plex.</a:t>
+                      </a:r>
                       <a:endParaRPr lang="en-US" sz="1200" b="1" kern="1200" dirty="0">
                         <a:solidFill>
                           <a:srgbClr val="575757"/>
@@ -22462,15 +22730,6 @@
 </file>
 
 <file path=customXml/item1.xml><?xml version="1.0" encoding="utf-8"?>
-<?mso-contentType ?>
-<FormTemplates xmlns="http://schemas.microsoft.com/sharepoint/v3/contenttype/forms">
-  <Display>DocumentLibraryForm</Display>
-  <Edit>DocumentLibraryForm</Edit>
-  <New>DocumentLibraryForm</New>
-</FormTemplates>
-</file>
-
-<file path=customXml/item2.xml><?xml version="1.0" encoding="utf-8"?>
 <ct:contentTypeSchema xmlns:ct="http://schemas.microsoft.com/office/2006/metadata/contentType" xmlns:ma="http://schemas.microsoft.com/office/2006/metadata/properties/metaAttributes" ct:_="" ma:_="" ma:contentTypeName="Document" ma:contentTypeID="0x0101006E1E7B5D849F924AA087A2CEDEF97382" ma:contentTypeVersion="32" ma:contentTypeDescription="Create a new document." ma:contentTypeScope="" ma:versionID="033cf3e5dddbef2b2c6be3f2e4adc40f">
   <xsd:schema xmlns:xsd="http://www.w3.org/2001/XMLSchema" xmlns:xs="http://www.w3.org/2001/XMLSchema" xmlns:p="http://schemas.microsoft.com/office/2006/metadata/properties" xmlns:ns2="975623d9-b402-4d5d-93ad-3794de7d17b7" xmlns:ns3="73df3aed-cd60-4586-958f-6304381b80a3" targetNamespace="http://schemas.microsoft.com/office/2006/metadata/properties" ma:root="true" ma:fieldsID="2f38c5a600e5c9a930c99e909fcbce99" ns2:_="" ns3:_="">
     <xsd:import namespace="975623d9-b402-4d5d-93ad-3794de7d17b7"/>
@@ -22647,6 +22906,15 @@
 </ct:contentTypeSchema>
 </file>
 
+<file path=customXml/item2.xml><?xml version="1.0" encoding="utf-8"?>
+<?mso-contentType ?>
+<FormTemplates xmlns="http://schemas.microsoft.com/sharepoint/v3/contenttype/forms">
+  <Display>DocumentLibraryForm</Display>
+  <Edit>DocumentLibraryForm</Edit>
+  <New>DocumentLibraryForm</New>
+</FormTemplates>
+</file>
+
 <file path=customXml/item3.xml><?xml version="1.0" encoding="utf-8"?>
 <p:properties xmlns:p="http://schemas.microsoft.com/office/2006/metadata/properties" xmlns:xsi="http://www.w3.org/2001/XMLSchema-instance" xmlns:pc="http://schemas.microsoft.com/office/infopath/2007/PartnerControls">
   <documentManagement>
@@ -22662,14 +22930,6 @@
 </file>
 
 <file path=customXml/itemProps1.xml><?xml version="1.0" encoding="utf-8"?>
-<ds:datastoreItem xmlns:ds="http://schemas.openxmlformats.org/officeDocument/2006/customXml" ds:itemID="{24226D99-A687-4B7E-A688-45AFCF928084}">
-  <ds:schemaRefs>
-    <ds:schemaRef ds:uri="http://schemas.microsoft.com/sharepoint/v3/contenttype/forms"/>
-  </ds:schemaRefs>
-</ds:datastoreItem>
-</file>
-
-<file path=customXml/itemProps2.xml><?xml version="1.0" encoding="utf-8"?>
 <ds:datastoreItem xmlns:ds="http://schemas.openxmlformats.org/officeDocument/2006/customXml" ds:itemID="{76FC1EA6-B018-4133-8BEA-EAF38869BEE9}">
   <ds:schemaRefs>
     <ds:schemaRef ds:uri="http://schemas.microsoft.com/office/2006/metadata/contentType"/>
@@ -22684,6 +22944,14 @@
     <ds:schemaRef ds:uri="http://purl.org/dc/elements/1.1/"/>
     <ds:schemaRef ds:uri="http://purl.org/dc/terms/"/>
     <ds:schemaRef ds:uri="http://schemas.microsoft.com/internal/obd"/>
+  </ds:schemaRefs>
+</ds:datastoreItem>
+</file>
+
+<file path=customXml/itemProps2.xml><?xml version="1.0" encoding="utf-8"?>
+<ds:datastoreItem xmlns:ds="http://schemas.openxmlformats.org/officeDocument/2006/customXml" ds:itemID="{24226D99-A687-4B7E-A688-45AFCF928084}">
+  <ds:schemaRefs>
+    <ds:schemaRef ds:uri="http://schemas.microsoft.com/sharepoint/v3/contenttype/forms"/>
   </ds:schemaRefs>
 </ds:datastoreItem>
 </file>
